--- a/Module_5/presentations/module_5_presentation.pptx
+++ b/Module_5/presentations/module_5_presentation.pptx
@@ -6810,7 +6810,7 @@
             </a:pPr>
             <a:r>
               <a:rPr lang="en-US" sz="3600" dirty="0"/>
-              <a:t>Creating Command Line Applications</a:t>
+              <a:t>Creating Web applications</a:t>
             </a:r>
             <a:endParaRPr sz="3600" dirty="0"/>
           </a:p>
@@ -6882,7 +6882,23 @@
                   <a:schemeClr val="tx1"/>
                 </a:solidFill>
               </a:rPr>
-              <a:t>Let’s START by creating a command line application on our HOST machine (we’ll do docker containers later!)</a:t>
+              <a:t>Let’s START by creating a </a:t>
+            </a:r>
+            <a:r>
+              <a:rPr lang="en-US">
+                <a:solidFill>
+                  <a:schemeClr val="tx1"/>
+                </a:solidFill>
+              </a:rPr>
+              <a:t>web application on </a:t>
+            </a:r>
+            <a:r>
+              <a:rPr lang="en-US" dirty="0">
+                <a:solidFill>
+                  <a:schemeClr val="tx1"/>
+                </a:solidFill>
+              </a:rPr>
+              <a:t>our HOST machine (we’ll do docker containers later!)</a:t>
             </a:r>
           </a:p>
           <a:p>
@@ -7057,7 +7073,7 @@
           <a:p>
             <a:r>
               <a:rPr lang="en-US" dirty="0"/>
-              <a:t>The Deathstalker Command line app</a:t>
+              <a:t>The Web applications</a:t>
             </a:r>
           </a:p>
         </p:txBody>
@@ -7083,88 +7099,10 @@
           <a:bodyPr/>
           <a:lstStyle/>
           <a:p>
-            <a:r>
-              <a:rPr lang="en-US" dirty="0"/>
-              <a:t> Obviously no host machine is complete without a </a:t>
-            </a:r>
-            <a:r>
-              <a:rPr lang="en-US" b="1" dirty="0"/>
-              <a:t>Deathstalker</a:t>
-            </a:r>
-            <a:r>
-              <a:rPr lang="en-US" dirty="0"/>
-              <a:t> command line application (thanks Roger Corman!). </a:t>
-            </a:r>
-          </a:p>
-          <a:p>
-            <a:r>
-              <a:rPr lang="en-US" dirty="0"/>
-              <a:t>(If you’re curious- it’s a 1982 </a:t>
-            </a:r>
-            <a:r>
-              <a:rPr lang="en-US" b="1" dirty="0"/>
-              <a:t>Conan the Barbarian</a:t>
-            </a:r>
-            <a:r>
-              <a:rPr lang="en-US" dirty="0"/>
-              <a:t> film and it’s about as good as you think it is (meaning awful)).</a:t>
-            </a:r>
-          </a:p>
-          <a:p>
-            <a:r>
-              <a:rPr lang="en-US" dirty="0"/>
-              <a:t> The application will seek an input of ”magical-amulet” as it’s input. </a:t>
-            </a:r>
+            <a:endParaRPr lang="en-US" dirty="0"/>
           </a:p>
         </p:txBody>
       </p:sp>
-      <p:pic>
-        <p:nvPicPr>
-          <p:cNvPr id="2050" name="Picture 2" descr="Image result for golang gopher">
-            <a:extLst>
-              <a:ext uri="{FF2B5EF4-FFF2-40B4-BE49-F238E27FC236}">
-                <a16:creationId xmlns:a16="http://schemas.microsoft.com/office/drawing/2014/main" id="{5B2C8E9B-0EB0-7D4C-85F6-1F4998D02018}"/>
-              </a:ext>
-            </a:extLst>
-          </p:cNvPr>
-          <p:cNvPicPr>
-            <a:picLocks noChangeAspect="1" noChangeArrowheads="1"/>
-          </p:cNvPicPr>
-          <p:nvPr/>
-        </p:nvPicPr>
-        <p:blipFill>
-          <a:blip r:embed="rId2">
-            <a:extLst>
-              <a:ext uri="{28A0092B-C50C-407E-A947-70E740481C1C}">
-                <a14:useLocalDpi xmlns:a14="http://schemas.microsoft.com/office/drawing/2010/main" val="0"/>
-              </a:ext>
-            </a:extLst>
-          </a:blip>
-          <a:srcRect/>
-          <a:stretch>
-            <a:fillRect/>
-          </a:stretch>
-        </p:blipFill>
-        <p:spPr bwMode="auto">
-          <a:xfrm>
-            <a:off x="5224609" y="4769962"/>
-            <a:ext cx="1935637" cy="1935637"/>
-          </a:xfrm>
-          <a:prstGeom prst="rect">
-            <a:avLst/>
-          </a:prstGeom>
-          <a:noFill/>
-          <a:extLst>
-            <a:ext uri="{909E8E84-426E-40DD-AFC4-6F175D3DCCD1}">
-              <a14:hiddenFill xmlns:a14="http://schemas.microsoft.com/office/drawing/2010/main">
-                <a:solidFill>
-                  <a:srgbClr val="FFFFFF"/>
-                </a:solidFill>
-              </a14:hiddenFill>
-            </a:ext>
-          </a:extLst>
-        </p:spPr>
-      </p:pic>
     </p:spTree>
     <p:extLst>
       <p:ext uri="{BB962C8B-B14F-4D97-AF65-F5344CB8AC3E}">

--- a/Module_5/presentations/module_5_presentation.pptx
+++ b/Module_5/presentations/module_5_presentation.pptx
@@ -5,7 +5,7 @@
     <p:sldMasterId id="2147483655" r:id="rId1"/>
   </p:sldMasterIdLst>
   <p:notesMasterIdLst>
-    <p:notesMasterId r:id="rId10"/>
+    <p:notesMasterId r:id="rId16"/>
   </p:notesMasterIdLst>
   <p:sldIdLst>
     <p:sldId id="256" r:id="rId2"/>
@@ -14,8 +14,14 @@
     <p:sldId id="492" r:id="rId5"/>
     <p:sldId id="493" r:id="rId6"/>
     <p:sldId id="485" r:id="rId7"/>
-    <p:sldId id="490" r:id="rId8"/>
-    <p:sldId id="489" r:id="rId9"/>
+    <p:sldId id="494" r:id="rId8"/>
+    <p:sldId id="495" r:id="rId9"/>
+    <p:sldId id="499" r:id="rId10"/>
+    <p:sldId id="496" r:id="rId11"/>
+    <p:sldId id="490" r:id="rId12"/>
+    <p:sldId id="497" r:id="rId13"/>
+    <p:sldId id="498" r:id="rId14"/>
+    <p:sldId id="489" r:id="rId15"/>
   </p:sldIdLst>
   <p:sldSz cx="9144000" cy="6858000" type="screen4x3"/>
   <p:notesSz cx="6858000" cy="9144000"/>
@@ -1669,7 +1675,7 @@
             </a:pPr>
             <a:fld id="{00000000-1234-1234-1234-123412341234}" type="slidenum">
               <a:rPr lang="en-US"/>
-              <a:t>8</a:t>
+              <a:t>14</a:t>
             </a:fld>
             <a:endParaRPr lang="en-US"/>
           </a:p>
@@ -6125,6 +6131,915 @@
 </p:sld>
 </file>
 
+<file path=ppt/slides/slide10.xml><?xml version="1.0" encoding="utf-8"?>
+<p:sld xmlns:a="http://schemas.openxmlformats.org/drawingml/2006/main" xmlns:r="http://schemas.openxmlformats.org/officeDocument/2006/relationships" xmlns:p="http://schemas.openxmlformats.org/presentationml/2006/main">
+  <p:cSld>
+    <p:spTree>
+      <p:nvGrpSpPr>
+        <p:cNvPr id="1" name=""/>
+        <p:cNvGrpSpPr/>
+        <p:nvPr/>
+      </p:nvGrpSpPr>
+      <p:grpSpPr>
+        <a:xfrm>
+          <a:off x="0" y="0"/>
+          <a:ext cx="0" cy="0"/>
+          <a:chOff x="0" y="0"/>
+          <a:chExt cx="0" cy="0"/>
+        </a:xfrm>
+      </p:grpSpPr>
+      <p:sp>
+        <p:nvSpPr>
+          <p:cNvPr id="2" name="Title 1">
+            <a:extLst>
+              <a:ext uri="{FF2B5EF4-FFF2-40B4-BE49-F238E27FC236}">
+                <a16:creationId xmlns:a16="http://schemas.microsoft.com/office/drawing/2014/main" id="{5545804C-CF05-5C48-B237-F5C746AD1CC9}"/>
+              </a:ext>
+            </a:extLst>
+          </p:cNvPr>
+          <p:cNvSpPr>
+            <a:spLocks noGrp="1"/>
+          </p:cNvSpPr>
+          <p:nvPr>
+            <p:ph type="title"/>
+          </p:nvPr>
+        </p:nvSpPr>
+        <p:spPr/>
+        <p:txBody>
+          <a:bodyPr/>
+          <a:lstStyle/>
+          <a:p>
+            <a:r>
+              <a:rPr lang="en-US" dirty="0"/>
+              <a:t>Web application</a:t>
+            </a:r>
+          </a:p>
+        </p:txBody>
+      </p:sp>
+      <p:sp>
+        <p:nvSpPr>
+          <p:cNvPr id="3" name="Text Placeholder 2">
+            <a:extLst>
+              <a:ext uri="{FF2B5EF4-FFF2-40B4-BE49-F238E27FC236}">
+                <a16:creationId xmlns:a16="http://schemas.microsoft.com/office/drawing/2014/main" id="{72F92A5B-C14D-CF4D-8C54-5696452BE294}"/>
+              </a:ext>
+            </a:extLst>
+          </p:cNvPr>
+          <p:cNvSpPr>
+            <a:spLocks noGrp="1"/>
+          </p:cNvSpPr>
+          <p:nvPr>
+            <p:ph type="body" idx="1"/>
+          </p:nvPr>
+        </p:nvSpPr>
+        <p:spPr/>
+        <p:txBody>
+          <a:bodyPr/>
+          <a:lstStyle/>
+          <a:p>
+            <a:r>
+              <a:rPr lang="en-US" dirty="0"/>
+              <a:t> Now let’s expand and create a web application on docker. Our web application will be split up among multiple packages and will do the following:</a:t>
+            </a:r>
+          </a:p>
+          <a:p>
+            <a:pPr lvl="1"/>
+            <a:r>
+              <a:rPr lang="en-US" dirty="0"/>
+              <a:t> It will have, as an input, the name of a film</a:t>
+            </a:r>
+          </a:p>
+          <a:p>
+            <a:pPr lvl="1"/>
+            <a:r>
+              <a:rPr lang="en-US" dirty="0"/>
+              <a:t> It will then take the name of that film and send it to an API that will return the location of a movie poster and </a:t>
+            </a:r>
+          </a:p>
+          <a:p>
+            <a:pPr lvl="1"/>
+            <a:r>
+              <a:rPr lang="en-US" dirty="0"/>
+              <a:t> It will then show the movie poster to the user. </a:t>
+            </a:r>
+          </a:p>
+          <a:p>
+            <a:r>
+              <a:rPr lang="en-US" dirty="0"/>
+              <a:t>We will use the OMDB </a:t>
+            </a:r>
+            <a:r>
+              <a:rPr lang="en-US" dirty="0" err="1"/>
+              <a:t>api</a:t>
+            </a:r>
+            <a:endParaRPr lang="en-US" dirty="0"/>
+          </a:p>
+        </p:txBody>
+      </p:sp>
+      <p:pic>
+        <p:nvPicPr>
+          <p:cNvPr id="3074" name="Picture 2" descr="Image result for go gopher image">
+            <a:extLst>
+              <a:ext uri="{FF2B5EF4-FFF2-40B4-BE49-F238E27FC236}">
+                <a16:creationId xmlns:a16="http://schemas.microsoft.com/office/drawing/2014/main" id="{620C486C-92F3-CD45-A671-A2489BFDA545}"/>
+              </a:ext>
+            </a:extLst>
+          </p:cNvPr>
+          <p:cNvPicPr>
+            <a:picLocks noChangeAspect="1" noChangeArrowheads="1"/>
+          </p:cNvPicPr>
+          <p:nvPr/>
+        </p:nvPicPr>
+        <p:blipFill>
+          <a:blip r:embed="rId2">
+            <a:extLst>
+              <a:ext uri="{28A0092B-C50C-407E-A947-70E740481C1C}">
+                <a14:useLocalDpi xmlns:a14="http://schemas.microsoft.com/office/drawing/2010/main" val="0"/>
+              </a:ext>
+            </a:extLst>
+          </a:blip>
+          <a:srcRect/>
+          <a:stretch>
+            <a:fillRect/>
+          </a:stretch>
+        </p:blipFill>
+        <p:spPr bwMode="auto">
+          <a:xfrm>
+            <a:off x="5231876" y="4417074"/>
+            <a:ext cx="1896032" cy="2138652"/>
+          </a:xfrm>
+          <a:prstGeom prst="rect">
+            <a:avLst/>
+          </a:prstGeom>
+          <a:noFill/>
+          <a:extLst>
+            <a:ext uri="{909E8E84-426E-40DD-AFC4-6F175D3DCCD1}">
+              <a14:hiddenFill xmlns:a14="http://schemas.microsoft.com/office/drawing/2010/main">
+                <a:solidFill>
+                  <a:srgbClr val="FFFFFF"/>
+                </a:solidFill>
+              </a14:hiddenFill>
+            </a:ext>
+          </a:extLst>
+        </p:spPr>
+      </p:pic>
+    </p:spTree>
+    <p:extLst>
+      <p:ext uri="{BB962C8B-B14F-4D97-AF65-F5344CB8AC3E}">
+        <p14:creationId xmlns:p14="http://schemas.microsoft.com/office/powerpoint/2010/main" val="3912767935"/>
+      </p:ext>
+    </p:extLst>
+  </p:cSld>
+  <p:clrMapOvr>
+    <a:masterClrMapping/>
+  </p:clrMapOvr>
+</p:sld>
+</file>
+
+<file path=ppt/slides/slide11.xml><?xml version="1.0" encoding="utf-8"?>
+<p:sld xmlns:a="http://schemas.openxmlformats.org/drawingml/2006/main" xmlns:r="http://schemas.openxmlformats.org/officeDocument/2006/relationships" xmlns:p="http://schemas.openxmlformats.org/presentationml/2006/main">
+  <p:cSld>
+    <p:spTree>
+      <p:nvGrpSpPr>
+        <p:cNvPr id="1" name=""/>
+        <p:cNvGrpSpPr/>
+        <p:nvPr/>
+      </p:nvGrpSpPr>
+      <p:grpSpPr>
+        <a:xfrm>
+          <a:off x="0" y="0"/>
+          <a:ext cx="0" cy="0"/>
+          <a:chOff x="0" y="0"/>
+          <a:chExt cx="0" cy="0"/>
+        </a:xfrm>
+      </p:grpSpPr>
+      <p:sp>
+        <p:nvSpPr>
+          <p:cNvPr id="2" name="Title 1">
+            <a:extLst>
+              <a:ext uri="{FF2B5EF4-FFF2-40B4-BE49-F238E27FC236}">
+                <a16:creationId xmlns:a16="http://schemas.microsoft.com/office/drawing/2014/main" id="{77CDE0C8-6075-E64A-9EA4-E2C81C23ACD4}"/>
+              </a:ext>
+            </a:extLst>
+          </p:cNvPr>
+          <p:cNvSpPr>
+            <a:spLocks noGrp="1"/>
+          </p:cNvSpPr>
+          <p:nvPr>
+            <p:ph type="title"/>
+          </p:nvPr>
+        </p:nvSpPr>
+        <p:spPr/>
+        <p:txBody>
+          <a:bodyPr/>
+          <a:lstStyle/>
+          <a:p>
+            <a:r>
+              <a:rPr lang="en-US" dirty="0"/>
+              <a:t>Deploying a multi-stage application</a:t>
+            </a:r>
+          </a:p>
+        </p:txBody>
+      </p:sp>
+      <p:sp>
+        <p:nvSpPr>
+          <p:cNvPr id="3" name="Text Placeholder 2">
+            <a:extLst>
+              <a:ext uri="{FF2B5EF4-FFF2-40B4-BE49-F238E27FC236}">
+                <a16:creationId xmlns:a16="http://schemas.microsoft.com/office/drawing/2014/main" id="{891CBFB3-DABD-0349-A747-EC2768CA54DD}"/>
+              </a:ext>
+            </a:extLst>
+          </p:cNvPr>
+          <p:cNvSpPr>
+            <a:spLocks noGrp="1"/>
+          </p:cNvSpPr>
+          <p:nvPr>
+            <p:ph type="body" idx="1"/>
+          </p:nvPr>
+        </p:nvSpPr>
+        <p:spPr/>
+        <p:txBody>
+          <a:bodyPr/>
+          <a:lstStyle/>
+          <a:p>
+            <a:r>
+              <a:rPr lang="en-US" dirty="0"/>
+              <a:t> So one of the most powerful aspects of GO, as we saw in our command line builds, is the fact that we can use a command line command to build a binary. </a:t>
+            </a:r>
+          </a:p>
+          <a:p>
+            <a:r>
+              <a:rPr lang="en-US" dirty="0"/>
+              <a:t> As you can imagine this becomes </a:t>
+            </a:r>
+            <a:r>
+              <a:rPr lang="en-US" i="1" dirty="0"/>
+              <a:t>incredibly useful </a:t>
+            </a:r>
+            <a:r>
+              <a:rPr lang="en-US" dirty="0"/>
+              <a:t>when deploying go applications- especially using things like containers.  </a:t>
+            </a:r>
+          </a:p>
+        </p:txBody>
+      </p:sp>
+      <p:pic>
+        <p:nvPicPr>
+          <p:cNvPr id="4098" name="Picture 2" descr="Image result for go gopher image">
+            <a:extLst>
+              <a:ext uri="{FF2B5EF4-FFF2-40B4-BE49-F238E27FC236}">
+                <a16:creationId xmlns:a16="http://schemas.microsoft.com/office/drawing/2014/main" id="{CBCC1422-F566-4742-AD33-1BCB749E029E}"/>
+              </a:ext>
+            </a:extLst>
+          </p:cNvPr>
+          <p:cNvPicPr>
+            <a:picLocks noChangeAspect="1" noChangeArrowheads="1"/>
+          </p:cNvPicPr>
+          <p:nvPr/>
+        </p:nvPicPr>
+        <p:blipFill>
+          <a:blip r:embed="rId2">
+            <a:extLst>
+              <a:ext uri="{28A0092B-C50C-407E-A947-70E740481C1C}">
+                <a14:useLocalDpi xmlns:a14="http://schemas.microsoft.com/office/drawing/2010/main" val="0"/>
+              </a:ext>
+            </a:extLst>
+          </a:blip>
+          <a:srcRect/>
+          <a:stretch>
+            <a:fillRect/>
+          </a:stretch>
+        </p:blipFill>
+        <p:spPr bwMode="auto">
+          <a:xfrm>
+            <a:off x="2927350" y="4167302"/>
+            <a:ext cx="3289300" cy="2463800"/>
+          </a:xfrm>
+          <a:prstGeom prst="rect">
+            <a:avLst/>
+          </a:prstGeom>
+          <a:noFill/>
+          <a:extLst>
+            <a:ext uri="{909E8E84-426E-40DD-AFC4-6F175D3DCCD1}">
+              <a14:hiddenFill xmlns:a14="http://schemas.microsoft.com/office/drawing/2010/main">
+                <a:solidFill>
+                  <a:srgbClr val="FFFFFF"/>
+                </a:solidFill>
+              </a14:hiddenFill>
+            </a:ext>
+          </a:extLst>
+        </p:spPr>
+      </p:pic>
+    </p:spTree>
+    <p:extLst>
+      <p:ext uri="{BB962C8B-B14F-4D97-AF65-F5344CB8AC3E}">
+        <p14:creationId xmlns:p14="http://schemas.microsoft.com/office/powerpoint/2010/main" val="674349342"/>
+      </p:ext>
+    </p:extLst>
+  </p:cSld>
+  <p:clrMapOvr>
+    <a:masterClrMapping/>
+  </p:clrMapOvr>
+</p:sld>
+</file>
+
+<file path=ppt/slides/slide12.xml><?xml version="1.0" encoding="utf-8"?>
+<p:sld xmlns:a="http://schemas.openxmlformats.org/drawingml/2006/main" xmlns:r="http://schemas.openxmlformats.org/officeDocument/2006/relationships" xmlns:p="http://schemas.openxmlformats.org/presentationml/2006/main">
+  <p:cSld>
+    <p:spTree>
+      <p:nvGrpSpPr>
+        <p:cNvPr id="1" name=""/>
+        <p:cNvGrpSpPr/>
+        <p:nvPr/>
+      </p:nvGrpSpPr>
+      <p:grpSpPr>
+        <a:xfrm>
+          <a:off x="0" y="0"/>
+          <a:ext cx="0" cy="0"/>
+          <a:chOff x="0" y="0"/>
+          <a:chExt cx="0" cy="0"/>
+        </a:xfrm>
+      </p:grpSpPr>
+      <p:sp>
+        <p:nvSpPr>
+          <p:cNvPr id="2" name="Title 1">
+            <a:extLst>
+              <a:ext uri="{FF2B5EF4-FFF2-40B4-BE49-F238E27FC236}">
+                <a16:creationId xmlns:a16="http://schemas.microsoft.com/office/drawing/2014/main" id="{F33CB81B-A0AB-E14B-8406-A0A35C337146}"/>
+              </a:ext>
+            </a:extLst>
+          </p:cNvPr>
+          <p:cNvSpPr>
+            <a:spLocks noGrp="1"/>
+          </p:cNvSpPr>
+          <p:nvPr>
+            <p:ph type="title"/>
+          </p:nvPr>
+        </p:nvSpPr>
+        <p:spPr/>
+        <p:txBody>
+          <a:bodyPr/>
+          <a:lstStyle/>
+          <a:p>
+            <a:r>
+              <a:rPr lang="en-US" dirty="0"/>
+              <a:t>Multi-stage deployments</a:t>
+            </a:r>
+          </a:p>
+        </p:txBody>
+      </p:sp>
+      <p:sp>
+        <p:nvSpPr>
+          <p:cNvPr id="3" name="Text Placeholder 2">
+            <a:extLst>
+              <a:ext uri="{FF2B5EF4-FFF2-40B4-BE49-F238E27FC236}">
+                <a16:creationId xmlns:a16="http://schemas.microsoft.com/office/drawing/2014/main" id="{7CFF04B9-54F0-6342-B932-1176320A9C7A}"/>
+              </a:ext>
+            </a:extLst>
+          </p:cNvPr>
+          <p:cNvSpPr>
+            <a:spLocks noGrp="1"/>
+          </p:cNvSpPr>
+          <p:nvPr>
+            <p:ph type="body" idx="1"/>
+          </p:nvPr>
+        </p:nvSpPr>
+        <p:spPr/>
+        <p:txBody>
+          <a:bodyPr/>
+          <a:lstStyle/>
+          <a:p>
+            <a:r>
+              <a:rPr lang="en-US" dirty="0"/>
+              <a:t> We’re going to use Docker for this next section as it provides an excellent deployment methodology and method tools. Recently Docker has introduced </a:t>
+            </a:r>
+            <a:r>
+              <a:rPr lang="en-US" b="1" dirty="0"/>
+              <a:t>Multi-stage deployments</a:t>
+            </a:r>
+            <a:r>
+              <a:rPr lang="en-US" dirty="0"/>
+              <a:t> with Docker containers which provide an excellent example of how building the binaries of an application can shrink the size of the deployment significantly.</a:t>
+            </a:r>
+          </a:p>
+        </p:txBody>
+      </p:sp>
+      <p:pic>
+        <p:nvPicPr>
+          <p:cNvPr id="5122" name="Picture 2" descr="Image result for go gopher image">
+            <a:extLst>
+              <a:ext uri="{FF2B5EF4-FFF2-40B4-BE49-F238E27FC236}">
+                <a16:creationId xmlns:a16="http://schemas.microsoft.com/office/drawing/2014/main" id="{AEFF4F10-8DBC-124B-9C2F-05EEDC526675}"/>
+              </a:ext>
+            </a:extLst>
+          </p:cNvPr>
+          <p:cNvPicPr>
+            <a:picLocks noChangeAspect="1" noChangeArrowheads="1"/>
+          </p:cNvPicPr>
+          <p:nvPr/>
+        </p:nvPicPr>
+        <p:blipFill>
+          <a:blip r:embed="rId2">
+            <a:extLst>
+              <a:ext uri="{28A0092B-C50C-407E-A947-70E740481C1C}">
+                <a14:useLocalDpi xmlns:a14="http://schemas.microsoft.com/office/drawing/2010/main" val="0"/>
+              </a:ext>
+            </a:extLst>
+          </a:blip>
+          <a:srcRect/>
+          <a:stretch>
+            <a:fillRect/>
+          </a:stretch>
+        </p:blipFill>
+        <p:spPr bwMode="auto">
+          <a:xfrm>
+            <a:off x="3101418" y="4459254"/>
+            <a:ext cx="2983255" cy="2234562"/>
+          </a:xfrm>
+          <a:prstGeom prst="rect">
+            <a:avLst/>
+          </a:prstGeom>
+          <a:noFill/>
+          <a:extLst>
+            <a:ext uri="{909E8E84-426E-40DD-AFC4-6F175D3DCCD1}">
+              <a14:hiddenFill xmlns:a14="http://schemas.microsoft.com/office/drawing/2010/main">
+                <a:solidFill>
+                  <a:srgbClr val="FFFFFF"/>
+                </a:solidFill>
+              </a14:hiddenFill>
+            </a:ext>
+          </a:extLst>
+        </p:spPr>
+      </p:pic>
+    </p:spTree>
+    <p:extLst>
+      <p:ext uri="{BB962C8B-B14F-4D97-AF65-F5344CB8AC3E}">
+        <p14:creationId xmlns:p14="http://schemas.microsoft.com/office/powerpoint/2010/main" val="1091134260"/>
+      </p:ext>
+    </p:extLst>
+  </p:cSld>
+  <p:clrMapOvr>
+    <a:masterClrMapping/>
+  </p:clrMapOvr>
+</p:sld>
+</file>
+
+<file path=ppt/slides/slide13.xml><?xml version="1.0" encoding="utf-8"?>
+<p:sld xmlns:a="http://schemas.openxmlformats.org/drawingml/2006/main" xmlns:r="http://schemas.openxmlformats.org/officeDocument/2006/relationships" xmlns:p="http://schemas.openxmlformats.org/presentationml/2006/main">
+  <p:cSld>
+    <p:spTree>
+      <p:nvGrpSpPr>
+        <p:cNvPr id="1" name=""/>
+        <p:cNvGrpSpPr/>
+        <p:nvPr/>
+      </p:nvGrpSpPr>
+      <p:grpSpPr>
+        <a:xfrm>
+          <a:off x="0" y="0"/>
+          <a:ext cx="0" cy="0"/>
+          <a:chOff x="0" y="0"/>
+          <a:chExt cx="0" cy="0"/>
+        </a:xfrm>
+      </p:grpSpPr>
+      <p:sp>
+        <p:nvSpPr>
+          <p:cNvPr id="2" name="Title 1">
+            <a:extLst>
+              <a:ext uri="{FF2B5EF4-FFF2-40B4-BE49-F238E27FC236}">
+                <a16:creationId xmlns:a16="http://schemas.microsoft.com/office/drawing/2014/main" id="{813CB2F0-702F-974B-9A64-C75B0C920A27}"/>
+              </a:ext>
+            </a:extLst>
+          </p:cNvPr>
+          <p:cNvSpPr>
+            <a:spLocks noGrp="1"/>
+          </p:cNvSpPr>
+          <p:nvPr>
+            <p:ph type="title"/>
+          </p:nvPr>
+        </p:nvSpPr>
+        <p:spPr/>
+        <p:txBody>
+          <a:bodyPr/>
+          <a:lstStyle/>
+          <a:p>
+            <a:r>
+              <a:rPr lang="en-US" dirty="0"/>
+              <a:t>Multi-stage deployments</a:t>
+            </a:r>
+          </a:p>
+        </p:txBody>
+      </p:sp>
+      <p:sp>
+        <p:nvSpPr>
+          <p:cNvPr id="3" name="Text Placeholder 2">
+            <a:extLst>
+              <a:ext uri="{FF2B5EF4-FFF2-40B4-BE49-F238E27FC236}">
+                <a16:creationId xmlns:a16="http://schemas.microsoft.com/office/drawing/2014/main" id="{94CCBDC7-9B7E-E24E-92ED-C14437501E7E}"/>
+              </a:ext>
+            </a:extLst>
+          </p:cNvPr>
+          <p:cNvSpPr>
+            <a:spLocks noGrp="1"/>
+          </p:cNvSpPr>
+          <p:nvPr>
+            <p:ph type="body" idx="1"/>
+          </p:nvPr>
+        </p:nvSpPr>
+        <p:spPr/>
+        <p:txBody>
+          <a:bodyPr/>
+          <a:lstStyle/>
+          <a:p>
+            <a:r>
+              <a:rPr lang="en-US" dirty="0"/>
+              <a:t> So let’s start with a simple application. Check out the lab for the </a:t>
+            </a:r>
+            <a:r>
+              <a:rPr lang="en-US" b="1" dirty="0" err="1"/>
+              <a:t>deployme</a:t>
+            </a:r>
+            <a:r>
+              <a:rPr lang="en-US" dirty="0"/>
+              <a:t> app. It’s a simple webserver application that doesn’t do much (except quote the most amazing movie of 2015!!). </a:t>
+            </a:r>
+          </a:p>
+          <a:p>
+            <a:r>
+              <a:rPr lang="en-US" dirty="0"/>
+              <a:t>Our </a:t>
+            </a:r>
+            <a:r>
+              <a:rPr lang="en-US" b="1" dirty="0"/>
+              <a:t>goal</a:t>
+            </a:r>
+            <a:r>
+              <a:rPr lang="en-US" dirty="0"/>
+              <a:t>, however, is to take that application and shrink it in size to a binary on a minimal docker container- then *just* run the binary!</a:t>
+            </a:r>
+          </a:p>
+        </p:txBody>
+      </p:sp>
+      <p:pic>
+        <p:nvPicPr>
+          <p:cNvPr id="6146" name="Picture 2" descr="Image result for golang gopher">
+            <a:extLst>
+              <a:ext uri="{FF2B5EF4-FFF2-40B4-BE49-F238E27FC236}">
+                <a16:creationId xmlns:a16="http://schemas.microsoft.com/office/drawing/2014/main" id="{6E82C114-3C7A-8C4F-8D34-1B2AC2C71C65}"/>
+              </a:ext>
+            </a:extLst>
+          </p:cNvPr>
+          <p:cNvPicPr>
+            <a:picLocks noChangeAspect="1" noChangeArrowheads="1"/>
+          </p:cNvPicPr>
+          <p:nvPr/>
+        </p:nvPicPr>
+        <p:blipFill>
+          <a:blip r:embed="rId2">
+            <a:extLst>
+              <a:ext uri="{28A0092B-C50C-407E-A947-70E740481C1C}">
+                <a14:useLocalDpi xmlns:a14="http://schemas.microsoft.com/office/drawing/2010/main" val="0"/>
+              </a:ext>
+            </a:extLst>
+          </a:blip>
+          <a:srcRect/>
+          <a:stretch>
+            <a:fillRect/>
+          </a:stretch>
+        </p:blipFill>
+        <p:spPr bwMode="auto">
+          <a:xfrm>
+            <a:off x="3717957" y="4792586"/>
+            <a:ext cx="1708085" cy="1777961"/>
+          </a:xfrm>
+          <a:prstGeom prst="rect">
+            <a:avLst/>
+          </a:prstGeom>
+          <a:noFill/>
+          <a:extLst>
+            <a:ext uri="{909E8E84-426E-40DD-AFC4-6F175D3DCCD1}">
+              <a14:hiddenFill xmlns:a14="http://schemas.microsoft.com/office/drawing/2010/main">
+                <a:solidFill>
+                  <a:srgbClr val="FFFFFF"/>
+                </a:solidFill>
+              </a14:hiddenFill>
+            </a:ext>
+          </a:extLst>
+        </p:spPr>
+      </p:pic>
+    </p:spTree>
+    <p:extLst>
+      <p:ext uri="{BB962C8B-B14F-4D97-AF65-F5344CB8AC3E}">
+        <p14:creationId xmlns:p14="http://schemas.microsoft.com/office/powerpoint/2010/main" val="2072131912"/>
+      </p:ext>
+    </p:extLst>
+  </p:cSld>
+  <p:clrMapOvr>
+    <a:masterClrMapping/>
+  </p:clrMapOvr>
+</p:sld>
+</file>
+
+<file path=ppt/slides/slide14.xml><?xml version="1.0" encoding="utf-8"?>
+<p:sld xmlns:a="http://schemas.openxmlformats.org/drawingml/2006/main" xmlns:r="http://schemas.openxmlformats.org/officeDocument/2006/relationships" xmlns:p="http://schemas.openxmlformats.org/presentationml/2006/main">
+  <p:cSld>
+    <p:spTree>
+      <p:nvGrpSpPr>
+        <p:cNvPr id="1" name="Shape 113"/>
+        <p:cNvGrpSpPr/>
+        <p:nvPr/>
+      </p:nvGrpSpPr>
+      <p:grpSpPr>
+        <a:xfrm>
+          <a:off x="0" y="0"/>
+          <a:ext cx="0" cy="0"/>
+          <a:chOff x="0" y="0"/>
+          <a:chExt cx="0" cy="0"/>
+        </a:xfrm>
+      </p:grpSpPr>
+      <p:sp>
+        <p:nvSpPr>
+          <p:cNvPr id="114" name="Shape 114"/>
+          <p:cNvSpPr txBox="1">
+            <a:spLocks noGrp="1"/>
+          </p:cNvSpPr>
+          <p:nvPr>
+            <p:ph type="title"/>
+          </p:nvPr>
+        </p:nvSpPr>
+        <p:spPr>
+          <a:xfrm>
+            <a:off x="76200" y="152400"/>
+            <a:ext cx="8991600" cy="671400"/>
+          </a:xfrm>
+          <a:prstGeom prst="rect">
+            <a:avLst/>
+          </a:prstGeom>
+        </p:spPr>
+        <p:txBody>
+          <a:bodyPr lIns="91425" tIns="91425" rIns="91425" bIns="91425" anchor="ctr" anchorCtr="0">
+            <a:noAutofit/>
+          </a:bodyPr>
+          <a:lstStyle/>
+          <a:p>
+            <a:pPr lvl="0">
+              <a:spcBef>
+                <a:spcPts val="0"/>
+              </a:spcBef>
+              <a:buNone/>
+            </a:pPr>
+            <a:r>
+              <a:rPr lang="en-US" dirty="0"/>
+              <a:t>Moving on to Module 5….</a:t>
+            </a:r>
+            <a:endParaRPr dirty="0"/>
+          </a:p>
+        </p:txBody>
+      </p:sp>
+      <p:sp>
+        <p:nvSpPr>
+          <p:cNvPr id="115" name="Shape 115"/>
+          <p:cNvSpPr txBox="1">
+            <a:spLocks noGrp="1"/>
+          </p:cNvSpPr>
+          <p:nvPr>
+            <p:ph type="body" idx="1"/>
+          </p:nvPr>
+        </p:nvSpPr>
+        <p:spPr>
+          <a:xfrm>
+            <a:off x="76200" y="1240810"/>
+            <a:ext cx="8991600" cy="4070929"/>
+          </a:xfrm>
+          <a:prstGeom prst="rect">
+            <a:avLst/>
+          </a:prstGeom>
+        </p:spPr>
+        <p:txBody>
+          <a:bodyPr lIns="91425" tIns="91425" rIns="91425" bIns="91425" anchor="t" anchorCtr="0">
+            <a:noAutofit/>
+          </a:bodyPr>
+          <a:lstStyle/>
+          <a:p>
+            <a:pPr lvl="2">
+              <a:spcBef>
+                <a:spcPts val="0"/>
+              </a:spcBef>
+            </a:pPr>
+            <a:r>
+              <a:rPr lang="en-US" dirty="0">
+                <a:solidFill>
+                  <a:schemeClr val="tx1"/>
+                </a:solidFill>
+                <a:latin typeface="+mn-lt"/>
+              </a:rPr>
+              <a:t>AND WE’RE DONE!</a:t>
+            </a:r>
+          </a:p>
+          <a:p>
+            <a:pPr lvl="2">
+              <a:spcBef>
+                <a:spcPts val="0"/>
+              </a:spcBef>
+            </a:pPr>
+            <a:r>
+              <a:rPr lang="en-US" sz="3200" dirty="0">
+                <a:solidFill>
+                  <a:schemeClr val="tx1"/>
+                </a:solidFill>
+                <a:latin typeface="+mn-lt"/>
+              </a:rPr>
+              <a:t>ANY QUESTIONS?!?</a:t>
+            </a:r>
+          </a:p>
+          <a:p>
+            <a:pPr lvl="3">
+              <a:spcBef>
+                <a:spcPts val="0"/>
+              </a:spcBef>
+            </a:pPr>
+            <a:endParaRPr lang="en-US" dirty="0">
+              <a:solidFill>
+                <a:schemeClr val="tx1"/>
+              </a:solidFill>
+              <a:latin typeface="+mn-lt"/>
+            </a:endParaRPr>
+          </a:p>
+          <a:p>
+            <a:pPr lvl="2">
+              <a:spcBef>
+                <a:spcPts val="0"/>
+              </a:spcBef>
+            </a:pPr>
+            <a:endParaRPr lang="en-US" dirty="0">
+              <a:solidFill>
+                <a:schemeClr val="tx1"/>
+              </a:solidFill>
+            </a:endParaRPr>
+          </a:p>
+          <a:p>
+            <a:pPr marL="1485900" lvl="3" indent="0">
+              <a:spcBef>
+                <a:spcPts val="0"/>
+              </a:spcBef>
+              <a:buNone/>
+            </a:pPr>
+            <a:endParaRPr lang="en-US" dirty="0">
+              <a:solidFill>
+                <a:schemeClr val="tx1"/>
+              </a:solidFill>
+              <a:latin typeface="+mn-lt"/>
+            </a:endParaRPr>
+          </a:p>
+          <a:p>
+            <a:pPr marL="1485900" lvl="3" indent="0">
+              <a:spcBef>
+                <a:spcPts val="0"/>
+              </a:spcBef>
+              <a:buNone/>
+            </a:pPr>
+            <a:endParaRPr lang="en-US" dirty="0">
+              <a:solidFill>
+                <a:schemeClr val="tx1"/>
+              </a:solidFill>
+              <a:latin typeface="+mn-lt"/>
+            </a:endParaRPr>
+          </a:p>
+          <a:p>
+            <a:pPr marL="1485900" lvl="3" indent="0">
+              <a:spcBef>
+                <a:spcPts val="0"/>
+              </a:spcBef>
+              <a:buNone/>
+            </a:pPr>
+            <a:endParaRPr lang="en-US" dirty="0">
+              <a:solidFill>
+                <a:schemeClr val="tx1"/>
+              </a:solidFill>
+              <a:latin typeface="+mn-lt"/>
+            </a:endParaRPr>
+          </a:p>
+          <a:p>
+            <a:pPr marL="1485900" lvl="3" indent="0">
+              <a:spcBef>
+                <a:spcPts val="0"/>
+              </a:spcBef>
+              <a:buNone/>
+            </a:pPr>
+            <a:endParaRPr lang="en-US" dirty="0">
+              <a:solidFill>
+                <a:schemeClr val="tx1"/>
+              </a:solidFill>
+              <a:latin typeface="+mn-lt"/>
+            </a:endParaRPr>
+          </a:p>
+          <a:p>
+            <a:pPr marL="1485900" lvl="3" indent="0">
+              <a:spcBef>
+                <a:spcPts val="0"/>
+              </a:spcBef>
+              <a:buNone/>
+            </a:pPr>
+            <a:endParaRPr lang="en-US" dirty="0">
+              <a:solidFill>
+                <a:schemeClr val="tx1"/>
+              </a:solidFill>
+              <a:latin typeface="+mn-lt"/>
+            </a:endParaRPr>
+          </a:p>
+        </p:txBody>
+      </p:sp>
+      <p:pic>
+        <p:nvPicPr>
+          <p:cNvPr id="14338" name="Picture 2" descr="Image result for golang gopher, images">
+            <a:extLst>
+              <a:ext uri="{FF2B5EF4-FFF2-40B4-BE49-F238E27FC236}">
+                <a16:creationId xmlns:a16="http://schemas.microsoft.com/office/drawing/2014/main" id="{99F98B07-359E-7D45-BFB0-9CFB89F92F9B}"/>
+              </a:ext>
+            </a:extLst>
+          </p:cNvPr>
+          <p:cNvPicPr>
+            <a:picLocks noChangeAspect="1" noChangeArrowheads="1"/>
+          </p:cNvPicPr>
+          <p:nvPr/>
+        </p:nvPicPr>
+        <p:blipFill>
+          <a:blip r:embed="rId3">
+            <a:extLst>
+              <a:ext uri="{28A0092B-C50C-407E-A947-70E740481C1C}">
+                <a14:useLocalDpi xmlns:a14="http://schemas.microsoft.com/office/drawing/2010/main" val="0"/>
+              </a:ext>
+            </a:extLst>
+          </a:blip>
+          <a:srcRect/>
+          <a:stretch>
+            <a:fillRect/>
+          </a:stretch>
+        </p:blipFill>
+        <p:spPr bwMode="auto">
+          <a:xfrm>
+            <a:off x="3075040" y="3147245"/>
+            <a:ext cx="2603500" cy="3111500"/>
+          </a:xfrm>
+          <a:prstGeom prst="rect">
+            <a:avLst/>
+          </a:prstGeom>
+          <a:noFill/>
+          <a:extLst>
+            <a:ext uri="{909E8E84-426E-40DD-AFC4-6F175D3DCCD1}">
+              <a14:hiddenFill xmlns:a14="http://schemas.microsoft.com/office/drawing/2010/main">
+                <a:solidFill>
+                  <a:srgbClr val="FFFFFF"/>
+                </a:solidFill>
+              </a14:hiddenFill>
+            </a:ext>
+          </a:extLst>
+        </p:spPr>
+      </p:pic>
+      <p:sp>
+        <p:nvSpPr>
+          <p:cNvPr id="2" name="TextBox 1">
+            <a:extLst>
+              <a:ext uri="{FF2B5EF4-FFF2-40B4-BE49-F238E27FC236}">
+                <a16:creationId xmlns:a16="http://schemas.microsoft.com/office/drawing/2014/main" id="{4B3583E6-D110-6843-B37F-57EA800C4545}"/>
+              </a:ext>
+            </a:extLst>
+          </p:cNvPr>
+          <p:cNvSpPr txBox="1"/>
+          <p:nvPr/>
+        </p:nvSpPr>
+        <p:spPr>
+          <a:xfrm>
+            <a:off x="3535052" y="405353"/>
+            <a:ext cx="184731" cy="307777"/>
+          </a:xfrm>
+          <a:prstGeom prst="rect">
+            <a:avLst/>
+          </a:prstGeom>
+          <a:noFill/>
+        </p:spPr>
+        <p:txBody>
+          <a:bodyPr wrap="none" rtlCol="0">
+            <a:spAutoFit/>
+          </a:bodyPr>
+          <a:lstStyle/>
+          <a:p>
+            <a:endParaRPr lang="en-US"/>
+          </a:p>
+        </p:txBody>
+      </p:sp>
+    </p:spTree>
+    <p:extLst>
+      <p:ext uri="{BB962C8B-B14F-4D97-AF65-F5344CB8AC3E}">
+        <p14:creationId xmlns:p14="http://schemas.microsoft.com/office/powerpoint/2010/main" val="3120604218"/>
+      </p:ext>
+    </p:extLst>
+  </p:cSld>
+  <p:clrMapOvr>
+    <a:masterClrMapping/>
+  </p:clrMapOvr>
+</p:sld>
+</file>
+
 <file path=ppt/slides/slide2.xml><?xml version="1.0" encoding="utf-8"?>
 <p:sld xmlns:a="http://schemas.openxmlformats.org/drawingml/2006/main" xmlns:r="http://schemas.openxmlformats.org/officeDocument/2006/relationships" xmlns:p="http://schemas.openxmlformats.org/presentationml/2006/main">
   <p:cSld>
@@ -6852,7 +7767,7 @@
                   <a:schemeClr val="tx1"/>
                 </a:solidFill>
               </a:rPr>
-              <a:t> So in this next section we’re going to go through creating command line applications in GOLANG. A large part of this will hearken back to the first module!</a:t>
+              <a:t> So in this next section we’re going to go through creating two applications in GOLANG. A large part of this will hearken back to the first module!</a:t>
             </a:r>
           </a:p>
           <a:p>
@@ -6882,23 +7797,7 @@
                   <a:schemeClr val="tx1"/>
                 </a:solidFill>
               </a:rPr>
-              <a:t>Let’s START by creating a </a:t>
-            </a:r>
-            <a:r>
-              <a:rPr lang="en-US">
-                <a:solidFill>
-                  <a:schemeClr val="tx1"/>
-                </a:solidFill>
-              </a:rPr>
-              <a:t>web application on </a:t>
-            </a:r>
-            <a:r>
-              <a:rPr lang="en-US" dirty="0">
-                <a:solidFill>
-                  <a:schemeClr val="tx1"/>
-                </a:solidFill>
-              </a:rPr>
-              <a:t>our HOST machine (we’ll do docker containers later!)</a:t>
+              <a:t>Let’s START by creating a command line application for our host! </a:t>
             </a:r>
           </a:p>
           <a:p>
@@ -7055,7 +7954,7 @@
           <p:cNvPr id="2" name="Title 1">
             <a:extLst>
               <a:ext uri="{FF2B5EF4-FFF2-40B4-BE49-F238E27FC236}">
-                <a16:creationId xmlns:a16="http://schemas.microsoft.com/office/drawing/2014/main" id="{77CDE0C8-6075-E64A-9EA4-E2C81C23ACD4}"/>
+                <a16:creationId xmlns:a16="http://schemas.microsoft.com/office/drawing/2014/main" id="{9916514F-E195-2844-BAD1-84856518F1EF}"/>
               </a:ext>
             </a:extLst>
           </p:cNvPr>
@@ -7073,7 +7972,7 @@
           <a:p>
             <a:r>
               <a:rPr lang="en-US" dirty="0"/>
-              <a:t>The Web applications</a:t>
+              <a:t>Create a command line application</a:t>
             </a:r>
           </a:p>
         </p:txBody>
@@ -7083,7 +7982,7 @@
           <p:cNvPr id="3" name="Text Placeholder 2">
             <a:extLst>
               <a:ext uri="{FF2B5EF4-FFF2-40B4-BE49-F238E27FC236}">
-                <a16:creationId xmlns:a16="http://schemas.microsoft.com/office/drawing/2014/main" id="{891CBFB3-DABD-0349-A747-EC2768CA54DD}"/>
+                <a16:creationId xmlns:a16="http://schemas.microsoft.com/office/drawing/2014/main" id="{0180ABB4-BACA-DC40-BE64-57FDDBD1736A}"/>
               </a:ext>
             </a:extLst>
           </p:cNvPr>
@@ -7099,14 +7998,94 @@
           <a:bodyPr/>
           <a:lstStyle/>
           <a:p>
-            <a:endParaRPr lang="en-US" dirty="0"/>
+            <a:r>
+              <a:rPr lang="en-US" dirty="0"/>
+              <a:t> So a big part of GO’s advantages are it’s ability to create command line applications. We can code out in GO (using the </a:t>
+            </a:r>
+            <a:r>
+              <a:rPr lang="en-US" dirty="0" err="1"/>
+              <a:t>os</a:t>
+            </a:r>
+            <a:r>
+              <a:rPr lang="en-US" dirty="0"/>
+              <a:t> library) and then </a:t>
+            </a:r>
+            <a:r>
+              <a:rPr lang="en-US" b="1" dirty="0"/>
+              <a:t>install</a:t>
+            </a:r>
+            <a:r>
+              <a:rPr lang="en-US" dirty="0"/>
+              <a:t> the application to the </a:t>
+            </a:r>
+            <a:r>
+              <a:rPr lang="en-US" b="1" dirty="0"/>
+              <a:t>$PATH</a:t>
+            </a:r>
+            <a:r>
+              <a:rPr lang="en-US" dirty="0"/>
+              <a:t> variable (yes- I’m speaking in Linux terms!) which allow it to be used anywhere. </a:t>
+            </a:r>
+          </a:p>
+          <a:p>
+            <a:r>
+              <a:rPr lang="en-US" dirty="0"/>
+              <a:t>So head over to the lab and we’ll try that now!</a:t>
+            </a:r>
           </a:p>
         </p:txBody>
       </p:sp>
+      <p:pic>
+        <p:nvPicPr>
+          <p:cNvPr id="1026" name="Picture 2" descr="Image result for golang  gopher">
+            <a:extLst>
+              <a:ext uri="{FF2B5EF4-FFF2-40B4-BE49-F238E27FC236}">
+                <a16:creationId xmlns:a16="http://schemas.microsoft.com/office/drawing/2014/main" id="{7E7CB450-F81D-9743-B5E9-9588C3386E53}"/>
+              </a:ext>
+            </a:extLst>
+          </p:cNvPr>
+          <p:cNvPicPr>
+            <a:picLocks noChangeAspect="1" noChangeArrowheads="1"/>
+          </p:cNvPicPr>
+          <p:nvPr/>
+        </p:nvPicPr>
+        <p:blipFill>
+          <a:blip r:embed="rId2">
+            <a:extLst>
+              <a:ext uri="{28A0092B-C50C-407E-A947-70E740481C1C}">
+                <a14:useLocalDpi xmlns:a14="http://schemas.microsoft.com/office/drawing/2010/main" val="0"/>
+              </a:ext>
+            </a:extLst>
+          </a:blip>
+          <a:srcRect/>
+          <a:stretch>
+            <a:fillRect/>
+          </a:stretch>
+        </p:blipFill>
+        <p:spPr bwMode="auto">
+          <a:xfrm>
+            <a:off x="3551745" y="4368978"/>
+            <a:ext cx="2040510" cy="2234844"/>
+          </a:xfrm>
+          <a:prstGeom prst="rect">
+            <a:avLst/>
+          </a:prstGeom>
+          <a:noFill/>
+          <a:extLst>
+            <a:ext uri="{909E8E84-426E-40DD-AFC4-6F175D3DCCD1}">
+              <a14:hiddenFill xmlns:a14="http://schemas.microsoft.com/office/drawing/2010/main">
+                <a:solidFill>
+                  <a:srgbClr val="FFFFFF"/>
+                </a:solidFill>
+              </a14:hiddenFill>
+            </a:ext>
+          </a:extLst>
+        </p:spPr>
+      </p:pic>
     </p:spTree>
     <p:extLst>
       <p:ext uri="{BB962C8B-B14F-4D97-AF65-F5344CB8AC3E}">
-        <p14:creationId xmlns:p14="http://schemas.microsoft.com/office/powerpoint/2010/main" val="674349342"/>
+        <p14:creationId xmlns:p14="http://schemas.microsoft.com/office/powerpoint/2010/main" val="3548182008"/>
       </p:ext>
     </p:extLst>
   </p:cSld>
@@ -7121,7 +8100,7 @@
   <p:cSld>
     <p:spTree>
       <p:nvGrpSpPr>
-        <p:cNvPr id="1" name="Shape 113"/>
+        <p:cNvPr id="1" name=""/>
         <p:cNvGrpSpPr/>
         <p:nvPr/>
       </p:nvGrpSpPr>
@@ -7135,202 +8114,80 @@
       </p:grpSpPr>
       <p:sp>
         <p:nvSpPr>
-          <p:cNvPr id="114" name="Shape 114"/>
-          <p:cNvSpPr txBox="1">
+          <p:cNvPr id="2" name="Title 1">
+            <a:extLst>
+              <a:ext uri="{FF2B5EF4-FFF2-40B4-BE49-F238E27FC236}">
+                <a16:creationId xmlns:a16="http://schemas.microsoft.com/office/drawing/2014/main" id="{3C33CF1E-F438-4840-BD05-53547B0A8FB5}"/>
+              </a:ext>
+            </a:extLst>
+          </p:cNvPr>
+          <p:cNvSpPr>
             <a:spLocks noGrp="1"/>
           </p:cNvSpPr>
           <p:nvPr>
             <p:ph type="title"/>
           </p:nvPr>
         </p:nvSpPr>
-        <p:spPr>
-          <a:xfrm>
-            <a:off x="76200" y="152400"/>
-            <a:ext cx="8991600" cy="671400"/>
-          </a:xfrm>
-          <a:prstGeom prst="rect">
-            <a:avLst/>
-          </a:prstGeom>
-        </p:spPr>
+        <p:spPr/>
         <p:txBody>
-          <a:bodyPr lIns="91425" tIns="91425" rIns="91425" bIns="91425" anchor="ctr" anchorCtr="0">
-            <a:noAutofit/>
-          </a:bodyPr>
+          <a:bodyPr/>
           <a:lstStyle/>
           <a:p>
-            <a:pPr lvl="0">
-              <a:spcBef>
-                <a:spcPts val="0"/>
-              </a:spcBef>
-              <a:buNone/>
-            </a:pPr>
             <a:r>
               <a:rPr lang="en-US" dirty="0"/>
-              <a:t>Moving on to Module 5….</a:t>
-            </a:r>
-            <a:endParaRPr dirty="0"/>
+              <a:t>Command Line application</a:t>
+            </a:r>
           </a:p>
         </p:txBody>
       </p:sp>
       <p:sp>
         <p:nvSpPr>
-          <p:cNvPr id="115" name="Shape 115"/>
-          <p:cNvSpPr txBox="1">
+          <p:cNvPr id="3" name="Text Placeholder 2">
+            <a:extLst>
+              <a:ext uri="{FF2B5EF4-FFF2-40B4-BE49-F238E27FC236}">
+                <a16:creationId xmlns:a16="http://schemas.microsoft.com/office/drawing/2014/main" id="{90CE5F87-8BF5-0D47-A37A-D4921AA043E7}"/>
+              </a:ext>
+            </a:extLst>
+          </p:cNvPr>
+          <p:cNvSpPr>
             <a:spLocks noGrp="1"/>
           </p:cNvSpPr>
           <p:nvPr>
             <p:ph type="body" idx="1"/>
           </p:nvPr>
         </p:nvSpPr>
-        <p:spPr>
-          <a:xfrm>
-            <a:off x="76200" y="1240810"/>
-            <a:ext cx="8991600" cy="4070929"/>
-          </a:xfrm>
-          <a:prstGeom prst="rect">
-            <a:avLst/>
-          </a:prstGeom>
-        </p:spPr>
+        <p:spPr/>
         <p:txBody>
-          <a:bodyPr lIns="91425" tIns="91425" rIns="91425" bIns="91425" anchor="t" anchorCtr="0">
-            <a:noAutofit/>
-          </a:bodyPr>
+          <a:bodyPr/>
           <a:lstStyle/>
           <a:p>
-            <a:pPr lvl="2">
-              <a:spcBef>
-                <a:spcPts val="0"/>
-              </a:spcBef>
-            </a:pPr>
-            <a:r>
-              <a:rPr lang="en-US" dirty="0">
-                <a:solidFill>
-                  <a:schemeClr val="tx1"/>
-                </a:solidFill>
-                <a:latin typeface="+mn-lt"/>
-              </a:rPr>
-              <a:t>AND WE’RE DONE!</a:t>
+            <a:r>
+              <a:rPr lang="en-US" dirty="0"/>
+              <a:t> So we’re going to create a simple and (hopefully useful) application that resets our local docker registry at the touch of a button! </a:t>
             </a:r>
           </a:p>
           <a:p>
-            <a:pPr lvl="2">
-              <a:spcBef>
-                <a:spcPts val="0"/>
-              </a:spcBef>
-            </a:pPr>
-            <a:r>
-              <a:rPr lang="en-US" sz="3200" dirty="0">
-                <a:solidFill>
-                  <a:schemeClr val="tx1"/>
-                </a:solidFill>
-                <a:latin typeface="+mn-lt"/>
-              </a:rPr>
-              <a:t>ANY QUESTIONS?!?</a:t>
-            </a:r>
-          </a:p>
-          <a:p>
-            <a:pPr lvl="3">
-              <a:spcBef>
-                <a:spcPts val="0"/>
-              </a:spcBef>
-            </a:pPr>
-            <a:endParaRPr lang="en-US" dirty="0">
-              <a:solidFill>
-                <a:schemeClr val="tx1"/>
-              </a:solidFill>
-              <a:latin typeface="+mn-lt"/>
-            </a:endParaRPr>
-          </a:p>
-          <a:p>
-            <a:pPr lvl="2">
-              <a:spcBef>
-                <a:spcPts val="0"/>
-              </a:spcBef>
-            </a:pPr>
-            <a:endParaRPr lang="en-US" dirty="0">
-              <a:solidFill>
-                <a:schemeClr val="tx1"/>
-              </a:solidFill>
-            </a:endParaRPr>
-          </a:p>
-          <a:p>
-            <a:pPr marL="1485900" lvl="3" indent="0">
-              <a:spcBef>
-                <a:spcPts val="0"/>
-              </a:spcBef>
-              <a:buNone/>
-            </a:pPr>
-            <a:endParaRPr lang="en-US" dirty="0">
-              <a:solidFill>
-                <a:schemeClr val="tx1"/>
-              </a:solidFill>
-              <a:latin typeface="+mn-lt"/>
-            </a:endParaRPr>
-          </a:p>
-          <a:p>
-            <a:pPr marL="1485900" lvl="3" indent="0">
-              <a:spcBef>
-                <a:spcPts val="0"/>
-              </a:spcBef>
-              <a:buNone/>
-            </a:pPr>
-            <a:endParaRPr lang="en-US" dirty="0">
-              <a:solidFill>
-                <a:schemeClr val="tx1"/>
-              </a:solidFill>
-              <a:latin typeface="+mn-lt"/>
-            </a:endParaRPr>
-          </a:p>
-          <a:p>
-            <a:pPr marL="1485900" lvl="3" indent="0">
-              <a:spcBef>
-                <a:spcPts val="0"/>
-              </a:spcBef>
-              <a:buNone/>
-            </a:pPr>
-            <a:endParaRPr lang="en-US" dirty="0">
-              <a:solidFill>
-                <a:schemeClr val="tx1"/>
-              </a:solidFill>
-              <a:latin typeface="+mn-lt"/>
-            </a:endParaRPr>
-          </a:p>
-          <a:p>
-            <a:pPr marL="1485900" lvl="3" indent="0">
-              <a:spcBef>
-                <a:spcPts val="0"/>
-              </a:spcBef>
-              <a:buNone/>
-            </a:pPr>
-            <a:endParaRPr lang="en-US" dirty="0">
-              <a:solidFill>
-                <a:schemeClr val="tx1"/>
-              </a:solidFill>
-              <a:latin typeface="+mn-lt"/>
-            </a:endParaRPr>
-          </a:p>
-          <a:p>
-            <a:pPr marL="1485900" lvl="3" indent="0">
-              <a:spcBef>
-                <a:spcPts val="0"/>
-              </a:spcBef>
-              <a:buNone/>
-            </a:pPr>
-            <a:endParaRPr lang="en-US" dirty="0">
-              <a:solidFill>
-                <a:schemeClr val="tx1"/>
-              </a:solidFill>
-              <a:latin typeface="+mn-lt"/>
-            </a:endParaRPr>
+            <a:r>
+              <a:rPr lang="en-US" dirty="0"/>
+              <a:t> We’re going to call it </a:t>
+            </a:r>
+            <a:r>
+              <a:rPr lang="en-US" b="1" dirty="0" err="1"/>
+              <a:t>nbrCount</a:t>
+            </a:r>
+            <a:r>
+              <a:rPr lang="en-US" dirty="0"/>
+              <a:t> and it’s going to count all of the files in a directory. This is one of those mildly useful things that can tell us if we’ve added a file.</a:t>
+            </a:r>
           </a:p>
         </p:txBody>
       </p:sp>
       <p:pic>
         <p:nvPicPr>
-          <p:cNvPr id="14338" name="Picture 2" descr="Image result for golang gopher, images">
+          <p:cNvPr id="2050" name="Picture 2" descr="Image result for golang  gopher">
             <a:extLst>
               <a:ext uri="{FF2B5EF4-FFF2-40B4-BE49-F238E27FC236}">
-                <a16:creationId xmlns:a16="http://schemas.microsoft.com/office/drawing/2014/main" id="{99F98B07-359E-7D45-BFB0-9CFB89F92F9B}"/>
+                <a16:creationId xmlns:a16="http://schemas.microsoft.com/office/drawing/2014/main" id="{9D0C58B0-F50C-8944-B0EE-BBD81CFE993D}"/>
               </a:ext>
             </a:extLst>
           </p:cNvPr>
@@ -7340,7 +8197,7 @@
           <p:nvPr/>
         </p:nvPicPr>
         <p:blipFill>
-          <a:blip r:embed="rId3">
+          <a:blip r:embed="rId2">
             <a:extLst>
               <a:ext uri="{28A0092B-C50C-407E-A947-70E740481C1C}">
                 <a14:useLocalDpi xmlns:a14="http://schemas.microsoft.com/office/drawing/2010/main" val="0"/>
@@ -7354,8 +8211,8 @@
         </p:blipFill>
         <p:spPr bwMode="auto">
           <a:xfrm>
-            <a:off x="3075040" y="3147245"/>
-            <a:ext cx="2603500" cy="3111500"/>
+            <a:off x="3506771" y="4577429"/>
+            <a:ext cx="2633875" cy="2128171"/>
           </a:xfrm>
           <a:prstGeom prst="rect">
             <a:avLst/>
@@ -7372,42 +8229,178 @@
           </a:extLst>
         </p:spPr>
       </p:pic>
+    </p:spTree>
+    <p:extLst>
+      <p:ext uri="{BB962C8B-B14F-4D97-AF65-F5344CB8AC3E}">
+        <p14:creationId xmlns:p14="http://schemas.microsoft.com/office/powerpoint/2010/main" val="960216569"/>
+      </p:ext>
+    </p:extLst>
+  </p:cSld>
+  <p:clrMapOvr>
+    <a:masterClrMapping/>
+  </p:clrMapOvr>
+</p:sld>
+</file>
+
+<file path=ppt/slides/slide9.xml><?xml version="1.0" encoding="utf-8"?>
+<p:sld xmlns:a="http://schemas.openxmlformats.org/drawingml/2006/main" xmlns:r="http://schemas.openxmlformats.org/officeDocument/2006/relationships" xmlns:p="http://schemas.openxmlformats.org/presentationml/2006/main">
+  <p:cSld>
+    <p:spTree>
+      <p:nvGrpSpPr>
+        <p:cNvPr id="1" name=""/>
+        <p:cNvGrpSpPr/>
+        <p:nvPr/>
+      </p:nvGrpSpPr>
+      <p:grpSpPr>
+        <a:xfrm>
+          <a:off x="0" y="0"/>
+          <a:ext cx="0" cy="0"/>
+          <a:chOff x="0" y="0"/>
+          <a:chExt cx="0" cy="0"/>
+        </a:xfrm>
+      </p:grpSpPr>
       <p:sp>
         <p:nvSpPr>
-          <p:cNvPr id="2" name="TextBox 1">
+          <p:cNvPr id="2" name="Title 1">
             <a:extLst>
               <a:ext uri="{FF2B5EF4-FFF2-40B4-BE49-F238E27FC236}">
-                <a16:creationId xmlns:a16="http://schemas.microsoft.com/office/drawing/2014/main" id="{4B3583E6-D110-6843-B37F-57EA800C4545}"/>
+                <a16:creationId xmlns:a16="http://schemas.microsoft.com/office/drawing/2014/main" id="{5BBB3CDD-D5D1-004B-B3A3-86E502DA0924}"/>
               </a:ext>
             </a:extLst>
           </p:cNvPr>
-          <p:cNvSpPr txBox="1"/>
+          <p:cNvSpPr>
+            <a:spLocks noGrp="1"/>
+          </p:cNvSpPr>
+          <p:nvPr>
+            <p:ph type="title"/>
+          </p:nvPr>
+        </p:nvSpPr>
+        <p:spPr/>
+        <p:txBody>
+          <a:bodyPr/>
+          <a:lstStyle/>
+          <a:p>
+            <a:r>
+              <a:rPr lang="en-US" dirty="0"/>
+              <a:t>GODOC</a:t>
+            </a:r>
+          </a:p>
+        </p:txBody>
+      </p:sp>
+      <p:sp>
+        <p:nvSpPr>
+          <p:cNvPr id="3" name="Text Placeholder 2">
+            <a:extLst>
+              <a:ext uri="{FF2B5EF4-FFF2-40B4-BE49-F238E27FC236}">
+                <a16:creationId xmlns:a16="http://schemas.microsoft.com/office/drawing/2014/main" id="{BDDF1D0C-26E5-EB42-9C7B-B9AF4DD40E2B}"/>
+              </a:ext>
+            </a:extLst>
+          </p:cNvPr>
+          <p:cNvSpPr>
+            <a:spLocks noGrp="1"/>
+          </p:cNvSpPr>
+          <p:nvPr>
+            <p:ph type="body" idx="1"/>
+          </p:nvPr>
+        </p:nvSpPr>
+        <p:spPr/>
+        <p:txBody>
+          <a:bodyPr/>
+          <a:lstStyle/>
+          <a:p>
+            <a:r>
+              <a:rPr lang="en-US" dirty="0"/>
+              <a:t> We should review </a:t>
+            </a:r>
+            <a:r>
+              <a:rPr lang="en-US" dirty="0" err="1"/>
+              <a:t>godoc</a:t>
+            </a:r>
+            <a:r>
+              <a:rPr lang="en-US" dirty="0"/>
+              <a:t> applications as well here- which we do in the lab…but first a few rules:</a:t>
+            </a:r>
+          </a:p>
+          <a:p>
+            <a:pPr lvl="1"/>
+            <a:r>
+              <a:rPr lang="en-US" dirty="0"/>
+              <a:t>To make it easier on your </a:t>
+            </a:r>
+            <a:r>
+              <a:rPr lang="en-US" dirty="0" err="1"/>
+              <a:t>goDoc</a:t>
+            </a:r>
+            <a:r>
+              <a:rPr lang="en-US" dirty="0"/>
+              <a:t> all of your functions should have comments one line above them. GODOC is the equivalent of </a:t>
+            </a:r>
+            <a:r>
+              <a:rPr lang="en-US" dirty="0" err="1"/>
+              <a:t>JavaDocs</a:t>
+            </a:r>
+            <a:endParaRPr lang="en-US" dirty="0"/>
+          </a:p>
+          <a:p>
+            <a:pPr lvl="1"/>
+            <a:r>
+              <a:rPr lang="en-US" dirty="0"/>
+              <a:t>Start the comment with the name of the package (every package should have a comment. Start all of the functions that you export (meaning- they have a capital first letter) with the name of the function.</a:t>
+            </a:r>
+          </a:p>
+        </p:txBody>
+      </p:sp>
+      <p:pic>
+        <p:nvPicPr>
+          <p:cNvPr id="7170" name="Picture 2" descr="Image result for go gopher images">
+            <a:extLst>
+              <a:ext uri="{FF2B5EF4-FFF2-40B4-BE49-F238E27FC236}">
+                <a16:creationId xmlns:a16="http://schemas.microsoft.com/office/drawing/2014/main" id="{D21AA3A8-DD02-6B47-9CAF-C91037491E82}"/>
+              </a:ext>
+            </a:extLst>
+          </p:cNvPr>
+          <p:cNvPicPr>
+            <a:picLocks noChangeAspect="1" noChangeArrowheads="1"/>
+          </p:cNvPicPr>
           <p:nvPr/>
-        </p:nvSpPr>
-        <p:spPr>
+        </p:nvPicPr>
+        <p:blipFill>
+          <a:blip r:embed="rId2">
+            <a:extLst>
+              <a:ext uri="{28A0092B-C50C-407E-A947-70E740481C1C}">
+                <a14:useLocalDpi xmlns:a14="http://schemas.microsoft.com/office/drawing/2010/main" val="0"/>
+              </a:ext>
+            </a:extLst>
+          </a:blip>
+          <a:srcRect/>
+          <a:stretch>
+            <a:fillRect/>
+          </a:stretch>
+        </p:blipFill>
+        <p:spPr bwMode="auto">
           <a:xfrm>
-            <a:off x="3535052" y="405353"/>
-            <a:ext cx="184731" cy="307777"/>
+            <a:off x="3572758" y="4798034"/>
+            <a:ext cx="2713741" cy="1869466"/>
           </a:xfrm>
           <a:prstGeom prst="rect">
             <a:avLst/>
           </a:prstGeom>
           <a:noFill/>
+          <a:extLst>
+            <a:ext uri="{909E8E84-426E-40DD-AFC4-6F175D3DCCD1}">
+              <a14:hiddenFill xmlns:a14="http://schemas.microsoft.com/office/drawing/2010/main">
+                <a:solidFill>
+                  <a:srgbClr val="FFFFFF"/>
+                </a:solidFill>
+              </a14:hiddenFill>
+            </a:ext>
+          </a:extLst>
         </p:spPr>
-        <p:txBody>
-          <a:bodyPr wrap="none" rtlCol="0">
-            <a:spAutoFit/>
-          </a:bodyPr>
-          <a:lstStyle/>
-          <a:p>
-            <a:endParaRPr lang="en-US"/>
-          </a:p>
-        </p:txBody>
-      </p:sp>
+      </p:pic>
     </p:spTree>
     <p:extLst>
       <p:ext uri="{BB962C8B-B14F-4D97-AF65-F5344CB8AC3E}">
-        <p14:creationId xmlns:p14="http://schemas.microsoft.com/office/powerpoint/2010/main" val="3120604218"/>
+        <p14:creationId xmlns:p14="http://schemas.microsoft.com/office/powerpoint/2010/main" val="710544579"/>
       </p:ext>
     </p:extLst>
   </p:cSld>

--- a/Module_5/presentations/module_5_presentation.pptx
+++ b/Module_5/presentations/module_5_presentation.pptx
@@ -5,7 +5,7 @@
     <p:sldMasterId id="2147483655" r:id="rId1"/>
   </p:sldMasterIdLst>
   <p:notesMasterIdLst>
-    <p:notesMasterId r:id="rId16"/>
+    <p:notesMasterId r:id="rId18"/>
   </p:notesMasterIdLst>
   <p:sldIdLst>
     <p:sldId id="256" r:id="rId2"/>
@@ -21,7 +21,9 @@
     <p:sldId id="490" r:id="rId12"/>
     <p:sldId id="497" r:id="rId13"/>
     <p:sldId id="498" r:id="rId14"/>
-    <p:sldId id="489" r:id="rId15"/>
+    <p:sldId id="500" r:id="rId15"/>
+    <p:sldId id="501" r:id="rId16"/>
+    <p:sldId id="489" r:id="rId17"/>
   </p:sldIdLst>
   <p:sldSz cx="9144000" cy="6858000" type="screen4x3"/>
   <p:notesSz cx="6858000" cy="9144000"/>
@@ -1675,7 +1677,7 @@
             </a:pPr>
             <a:fld id="{00000000-1234-1234-1234-123412341234}" type="slidenum">
               <a:rPr lang="en-US"/>
-              <a:t>14</a:t>
+              <a:t>16</a:t>
             </a:fld>
             <a:endParaRPr lang="en-US"/>
           </a:p>
@@ -6744,6 +6746,381 @@
   <p:cSld>
     <p:spTree>
       <p:nvGrpSpPr>
+        <p:cNvPr id="1" name=""/>
+        <p:cNvGrpSpPr/>
+        <p:nvPr/>
+      </p:nvGrpSpPr>
+      <p:grpSpPr>
+        <a:xfrm>
+          <a:off x="0" y="0"/>
+          <a:ext cx="0" cy="0"/>
+          <a:chOff x="0" y="0"/>
+          <a:chExt cx="0" cy="0"/>
+        </a:xfrm>
+      </p:grpSpPr>
+      <p:sp>
+        <p:nvSpPr>
+          <p:cNvPr id="2" name="Title 1">
+            <a:extLst>
+              <a:ext uri="{FF2B5EF4-FFF2-40B4-BE49-F238E27FC236}">
+                <a16:creationId xmlns:a16="http://schemas.microsoft.com/office/drawing/2014/main" id="{151D7C64-1CFB-3C46-AE2A-F47E509D7904}"/>
+              </a:ext>
+            </a:extLst>
+          </p:cNvPr>
+          <p:cNvSpPr>
+            <a:spLocks noGrp="1"/>
+          </p:cNvSpPr>
+          <p:nvPr>
+            <p:ph type="title"/>
+          </p:nvPr>
+        </p:nvSpPr>
+        <p:spPr/>
+        <p:txBody>
+          <a:bodyPr/>
+          <a:lstStyle/>
+          <a:p>
+            <a:r>
+              <a:rPr lang="en-US" dirty="0"/>
+              <a:t>One last thing to speed us up even more</a:t>
+            </a:r>
+          </a:p>
+        </p:txBody>
+      </p:sp>
+      <p:sp>
+        <p:nvSpPr>
+          <p:cNvPr id="3" name="Text Placeholder 2">
+            <a:extLst>
+              <a:ext uri="{FF2B5EF4-FFF2-40B4-BE49-F238E27FC236}">
+                <a16:creationId xmlns:a16="http://schemas.microsoft.com/office/drawing/2014/main" id="{E870E779-A765-E34A-B7DA-12CB93860D24}"/>
+              </a:ext>
+            </a:extLst>
+          </p:cNvPr>
+          <p:cNvSpPr>
+            <a:spLocks noGrp="1"/>
+          </p:cNvSpPr>
+          <p:nvPr>
+            <p:ph type="body" idx="1"/>
+          </p:nvPr>
+        </p:nvSpPr>
+        <p:spPr/>
+        <p:txBody>
+          <a:bodyPr/>
+          <a:lstStyle/>
+          <a:p>
+            <a:r>
+              <a:rPr lang="en-US" dirty="0"/>
+              <a:t> </a:t>
+            </a:r>
+            <a:r>
+              <a:rPr lang="en-US" b="1" i="1" dirty="0"/>
+              <a:t>memorization:</a:t>
+            </a:r>
+            <a:r>
+              <a:rPr lang="en-US" b="1" dirty="0"/>
+              <a:t> </a:t>
+            </a:r>
+            <a:r>
+              <a:rPr lang="en-US" dirty="0"/>
+              <a:t>this is another one of those things that help speed up programs.</a:t>
+            </a:r>
+          </a:p>
+          <a:p>
+            <a:pPr lvl="1"/>
+            <a:r>
+              <a:rPr lang="en-US" dirty="0"/>
+              <a:t> Basically- think </a:t>
+            </a:r>
+            <a:r>
+              <a:rPr lang="en-US" b="1" dirty="0"/>
+              <a:t>caching</a:t>
+            </a:r>
+            <a:r>
+              <a:rPr lang="en-US" dirty="0"/>
+              <a:t>. </a:t>
+            </a:r>
+          </a:p>
+          <a:p>
+            <a:pPr lvl="1"/>
+            <a:r>
+              <a:rPr lang="en-US" dirty="0"/>
+              <a:t> If we have a function that </a:t>
+            </a:r>
+            <a:r>
+              <a:rPr lang="en-US" b="1" dirty="0"/>
+              <a:t>always</a:t>
+            </a:r>
+            <a:r>
+              <a:rPr lang="en-US" dirty="0"/>
+              <a:t> takes the same immutable value </a:t>
+            </a:r>
+            <a:r>
+              <a:rPr lang="en-US" b="1" dirty="0"/>
+              <a:t>types</a:t>
+            </a:r>
+            <a:r>
+              <a:rPr lang="en-US" dirty="0"/>
+              <a:t> (parameters) and </a:t>
+            </a:r>
+            <a:r>
+              <a:rPr lang="en-US" b="1" dirty="0"/>
+              <a:t>always</a:t>
+            </a:r>
+            <a:r>
+              <a:rPr lang="en-US" dirty="0"/>
+              <a:t> returns the same immutable </a:t>
+            </a:r>
+            <a:r>
+              <a:rPr lang="en-US" b="1" dirty="0"/>
+              <a:t>return values</a:t>
+            </a:r>
+            <a:r>
+              <a:rPr lang="en-US" dirty="0"/>
+              <a:t> then we can </a:t>
+            </a:r>
+            <a:r>
+              <a:rPr lang="en-US" b="1" dirty="0"/>
+              <a:t>cache</a:t>
+            </a:r>
+            <a:r>
+              <a:rPr lang="en-US" dirty="0"/>
+              <a:t> the answer…so that way as long as we get a value that we’ve returned before it is stored in memory and it speeds up the process</a:t>
+            </a:r>
+          </a:p>
+          <a:p>
+            <a:pPr lvl="1"/>
+            <a:r>
+              <a:rPr lang="en-US" dirty="0"/>
+              <a:t> We do this by wrapping the function in a cache… which we’ll go over in the lab!</a:t>
+            </a:r>
+          </a:p>
+        </p:txBody>
+      </p:sp>
+      <p:pic>
+        <p:nvPicPr>
+          <p:cNvPr id="1026" name="Picture 2" descr="Image result for golang gopher images">
+            <a:extLst>
+              <a:ext uri="{FF2B5EF4-FFF2-40B4-BE49-F238E27FC236}">
+                <a16:creationId xmlns:a16="http://schemas.microsoft.com/office/drawing/2014/main" id="{9F6736E2-238A-B842-BEFB-13065F09B442}"/>
+              </a:ext>
+            </a:extLst>
+          </p:cNvPr>
+          <p:cNvPicPr>
+            <a:picLocks noChangeAspect="1" noChangeArrowheads="1"/>
+          </p:cNvPicPr>
+          <p:nvPr/>
+        </p:nvPicPr>
+        <p:blipFill>
+          <a:blip r:embed="rId2">
+            <a:extLst>
+              <a:ext uri="{28A0092B-C50C-407E-A947-70E740481C1C}">
+                <a14:useLocalDpi xmlns:a14="http://schemas.microsoft.com/office/drawing/2010/main" val="0"/>
+              </a:ext>
+            </a:extLst>
+          </a:blip>
+          <a:srcRect/>
+          <a:stretch>
+            <a:fillRect/>
+          </a:stretch>
+        </p:blipFill>
+        <p:spPr bwMode="auto">
+          <a:xfrm>
+            <a:off x="4572000" y="4993849"/>
+            <a:ext cx="1513591" cy="1513591"/>
+          </a:xfrm>
+          <a:prstGeom prst="rect">
+            <a:avLst/>
+          </a:prstGeom>
+          <a:noFill/>
+          <a:extLst>
+            <a:ext uri="{909E8E84-426E-40DD-AFC4-6F175D3DCCD1}">
+              <a14:hiddenFill xmlns:a14="http://schemas.microsoft.com/office/drawing/2010/main">
+                <a:solidFill>
+                  <a:srgbClr val="FFFFFF"/>
+                </a:solidFill>
+              </a14:hiddenFill>
+            </a:ext>
+          </a:extLst>
+        </p:spPr>
+      </p:pic>
+    </p:spTree>
+    <p:extLst>
+      <p:ext uri="{BB962C8B-B14F-4D97-AF65-F5344CB8AC3E}">
+        <p14:creationId xmlns:p14="http://schemas.microsoft.com/office/powerpoint/2010/main" val="1936357252"/>
+      </p:ext>
+    </p:extLst>
+  </p:cSld>
+  <p:clrMapOvr>
+    <a:masterClrMapping/>
+  </p:clrMapOvr>
+</p:sld>
+</file>
+
+<file path=ppt/slides/slide15.xml><?xml version="1.0" encoding="utf-8"?>
+<p:sld xmlns:a="http://schemas.openxmlformats.org/drawingml/2006/main" xmlns:r="http://schemas.openxmlformats.org/officeDocument/2006/relationships" xmlns:p="http://schemas.openxmlformats.org/presentationml/2006/main">
+  <p:cSld>
+    <p:spTree>
+      <p:nvGrpSpPr>
+        <p:cNvPr id="1" name=""/>
+        <p:cNvGrpSpPr/>
+        <p:nvPr/>
+      </p:nvGrpSpPr>
+      <p:grpSpPr>
+        <a:xfrm>
+          <a:off x="0" y="0"/>
+          <a:ext cx="0" cy="0"/>
+          <a:chOff x="0" y="0"/>
+          <a:chExt cx="0" cy="0"/>
+        </a:xfrm>
+      </p:grpSpPr>
+      <p:sp>
+        <p:nvSpPr>
+          <p:cNvPr id="2" name="Title 1">
+            <a:extLst>
+              <a:ext uri="{FF2B5EF4-FFF2-40B4-BE49-F238E27FC236}">
+                <a16:creationId xmlns:a16="http://schemas.microsoft.com/office/drawing/2014/main" id="{AC5E58DC-8AB7-2F4A-B684-9AA6D57082AB}"/>
+              </a:ext>
+            </a:extLst>
+          </p:cNvPr>
+          <p:cNvSpPr>
+            <a:spLocks noGrp="1"/>
+          </p:cNvSpPr>
+          <p:nvPr>
+            <p:ph type="title"/>
+          </p:nvPr>
+        </p:nvSpPr>
+        <p:spPr/>
+        <p:txBody>
+          <a:bodyPr/>
+          <a:lstStyle/>
+          <a:p>
+            <a:r>
+              <a:rPr lang="en-US" dirty="0"/>
+              <a:t>Final lab</a:t>
+            </a:r>
+          </a:p>
+        </p:txBody>
+      </p:sp>
+      <p:sp>
+        <p:nvSpPr>
+          <p:cNvPr id="3" name="Text Placeholder 2">
+            <a:extLst>
+              <a:ext uri="{FF2B5EF4-FFF2-40B4-BE49-F238E27FC236}">
+                <a16:creationId xmlns:a16="http://schemas.microsoft.com/office/drawing/2014/main" id="{AF9BB6C2-8071-6940-9630-F227EA73DEB7}"/>
+              </a:ext>
+            </a:extLst>
+          </p:cNvPr>
+          <p:cNvSpPr>
+            <a:spLocks noGrp="1"/>
+          </p:cNvSpPr>
+          <p:nvPr>
+            <p:ph type="body" idx="1"/>
+          </p:nvPr>
+        </p:nvSpPr>
+        <p:spPr/>
+        <p:txBody>
+          <a:bodyPr/>
+          <a:lstStyle/>
+          <a:p>
+            <a:r>
+              <a:rPr lang="en-US" dirty="0"/>
+              <a:t> So let’s create an in-memory cache for a fake application that takes a long time to run and see if we can get the speed done. </a:t>
+            </a:r>
+          </a:p>
+          <a:p>
+            <a:r>
+              <a:rPr lang="en-US" dirty="0"/>
+              <a:t>Doing this will require us to use </a:t>
+            </a:r>
+            <a:r>
+              <a:rPr lang="en-US" b="1" dirty="0"/>
+              <a:t>reflection</a:t>
+            </a:r>
+            <a:r>
+              <a:rPr lang="en-US" dirty="0"/>
+              <a:t> to check the inputs and then return those values (</a:t>
+            </a:r>
+            <a:r>
+              <a:rPr lang="en-US" dirty="0" err="1"/>
+              <a:t>gotta</a:t>
+            </a:r>
+            <a:r>
+              <a:rPr lang="en-US" dirty="0"/>
+              <a:t> watch those types!)</a:t>
+            </a:r>
+          </a:p>
+          <a:p>
+            <a:r>
+              <a:rPr lang="en-US" dirty="0"/>
+              <a:t>Hop over to the lab and we’ll get started!</a:t>
+            </a:r>
+          </a:p>
+        </p:txBody>
+      </p:sp>
+      <p:pic>
+        <p:nvPicPr>
+          <p:cNvPr id="2050" name="Picture 2" descr="Image result for golang gopher images">
+            <a:extLst>
+              <a:ext uri="{FF2B5EF4-FFF2-40B4-BE49-F238E27FC236}">
+                <a16:creationId xmlns:a16="http://schemas.microsoft.com/office/drawing/2014/main" id="{3F9EBA07-1EEC-E540-8CF3-D074CEFD8CB1}"/>
+              </a:ext>
+            </a:extLst>
+          </p:cNvPr>
+          <p:cNvPicPr>
+            <a:picLocks noChangeAspect="1" noChangeArrowheads="1"/>
+          </p:cNvPicPr>
+          <p:nvPr/>
+        </p:nvPicPr>
+        <p:blipFill>
+          <a:blip r:embed="rId2">
+            <a:extLst>
+              <a:ext uri="{28A0092B-C50C-407E-A947-70E740481C1C}">
+                <a14:useLocalDpi xmlns:a14="http://schemas.microsoft.com/office/drawing/2010/main" val="0"/>
+              </a:ext>
+            </a:extLst>
+          </a:blip>
+          <a:srcRect/>
+          <a:stretch>
+            <a:fillRect/>
+          </a:stretch>
+        </p:blipFill>
+        <p:spPr bwMode="auto">
+          <a:xfrm>
+            <a:off x="3459637" y="4821220"/>
+            <a:ext cx="1796395" cy="1796395"/>
+          </a:xfrm>
+          <a:prstGeom prst="rect">
+            <a:avLst/>
+          </a:prstGeom>
+          <a:noFill/>
+          <a:extLst>
+            <a:ext uri="{909E8E84-426E-40DD-AFC4-6F175D3DCCD1}">
+              <a14:hiddenFill xmlns:a14="http://schemas.microsoft.com/office/drawing/2010/main">
+                <a:solidFill>
+                  <a:srgbClr val="FFFFFF"/>
+                </a:solidFill>
+              </a14:hiddenFill>
+            </a:ext>
+          </a:extLst>
+        </p:spPr>
+      </p:pic>
+    </p:spTree>
+    <p:extLst>
+      <p:ext uri="{BB962C8B-B14F-4D97-AF65-F5344CB8AC3E}">
+        <p14:creationId xmlns:p14="http://schemas.microsoft.com/office/powerpoint/2010/main" val="1030150096"/>
+      </p:ext>
+    </p:extLst>
+  </p:cSld>
+  <p:clrMapOvr>
+    <a:masterClrMapping/>
+  </p:clrMapOvr>
+</p:sld>
+</file>
+
+<file path=ppt/slides/slide16.xml><?xml version="1.0" encoding="utf-8"?>
+<p:sld xmlns:a="http://schemas.openxmlformats.org/drawingml/2006/main" xmlns:r="http://schemas.openxmlformats.org/officeDocument/2006/relationships" xmlns:p="http://schemas.openxmlformats.org/presentationml/2006/main">
+  <p:cSld>
+    <p:spTree>
+      <p:nvGrpSpPr>
         <p:cNvPr id="1" name="Shape 113"/>
         <p:cNvGrpSpPr/>
         <p:nvPr/>
@@ -6788,8 +7165,8 @@
               <a:buNone/>
             </a:pPr>
             <a:r>
-              <a:rPr lang="en-US" dirty="0"/>
-              <a:t>Moving on to Module 5….</a:t>
+              <a:rPr lang="en-US"/>
+              <a:t>IT’S ALL DONE!!!</a:t>
             </a:r>
             <a:endParaRPr dirty="0"/>
           </a:p>
